--- a/High Net Worth Individuals.pptx
+++ b/High Net Worth Individuals.pptx
@@ -35126,7 +35126,7 @@
         </p:blipFill>
         <p:spPr>
           <a:xfrm>
-            <a:off x="592" y="0"/>
+            <a:off x="1185" y="0"/>
             <a:ext cx="12190815" cy="6858000"/>
           </a:xfrm>
           <a:prstGeom prst="rect">
@@ -35134,6 +35134,41 @@
           </a:prstGeom>
         </p:spPr>
       </p:pic>
+      <p:sp>
+        <p:nvSpPr>
+          <p:cNvPr id="6" name="TextBox 5">
+            <a:extLst>
+              <a:ext uri="{FF2B5EF4-FFF2-40B4-BE49-F238E27FC236}">
+                <a16:creationId xmlns:a16="http://schemas.microsoft.com/office/drawing/2014/main" id="{CEAD0770-8A52-4130-A37F-84694EBE96E8}"/>
+              </a:ext>
+            </a:extLst>
+          </p:cNvPr>
+          <p:cNvSpPr txBox="1"/>
+          <p:nvPr/>
+        </p:nvSpPr>
+        <p:spPr>
+          <a:xfrm>
+            <a:off x="1772239" y="952107"/>
+            <a:ext cx="3486852" cy="369332"/>
+          </a:xfrm>
+          <a:prstGeom prst="rect">
+            <a:avLst/>
+          </a:prstGeom>
+          <a:noFill/>
+        </p:spPr>
+        <p:txBody>
+          <a:bodyPr wrap="none" rtlCol="0">
+            <a:spAutoFit/>
+          </a:bodyPr>
+          <a:lstStyle/>
+          <a:p>
+            <a:r>
+              <a:rPr lang="en-IN" dirty="0"/>
+              <a:t>VIRTUAL ROOM 19 DBS HAC 2 HIRE</a:t>
+            </a:r>
+          </a:p>
+        </p:txBody>
+      </p:sp>
     </p:spTree>
     <p:extLst>
       <p:ext uri="{BB962C8B-B14F-4D97-AF65-F5344CB8AC3E}">
@@ -38551,7 +38586,7 @@
           <a:p>
             <a:r>
               <a:rPr lang="en-IN" dirty="0"/>
-              <a:t>NOW THE NHI WITH BALANCE&gt;2CR ARE SORTED</a:t>
+              <a:t>NOW THE HNI’s WITH BALANCE&gt;2CR ARE SORTED</a:t>
             </a:r>
             <a:br>
               <a:rPr lang="en-IN" dirty="0"/>
